--- a/MongoDB_with_Atlas.pptx
+++ b/MongoDB_with_Atlas.pptx
@@ -5,7 +5,7 @@
     <p:sldMasterId id="2147483648" r:id="rId1"/>
   </p:sldMasterIdLst>
   <p:notesMasterIdLst>
-    <p:notesMasterId r:id="rId23"/>
+    <p:notesMasterId r:id="rId34"/>
   </p:notesMasterIdLst>
   <p:sldIdLst>
     <p:sldId id="256" r:id="rId2"/>
@@ -29,6 +29,17 @@
     <p:sldId id="274" r:id="rId20"/>
     <p:sldId id="275" r:id="rId21"/>
     <p:sldId id="276" r:id="rId22"/>
+    <p:sldId id="277" r:id="rId23"/>
+    <p:sldId id="278" r:id="rId24"/>
+    <p:sldId id="279" r:id="rId25"/>
+    <p:sldId id="280" r:id="rId26"/>
+    <p:sldId id="281" r:id="rId27"/>
+    <p:sldId id="282" r:id="rId28"/>
+    <p:sldId id="283" r:id="rId29"/>
+    <p:sldId id="284" r:id="rId30"/>
+    <p:sldId id="285" r:id="rId31"/>
+    <p:sldId id="286" r:id="rId32"/>
+    <p:sldId id="287" r:id="rId33"/>
   </p:sldIdLst>
   <p:sldSz cx="12192000" cy="6858000"/>
   <p:notesSz cx="6858000" cy="9144000"/>
@@ -16413,7 +16424,6 @@
               <a:rPr lang="en-US" dirty="0"/>
               <a:t> From Cluster overview screen, click the Connect button. This will open the Connect to Cluster screen.</a:t>
             </a:r>
-            <a:endParaRPr lang="en-US" dirty="0"/>
           </a:p>
         </p:txBody>
       </p:sp>
@@ -16555,7 +16565,6 @@
               <a:rPr lang="en-US" dirty="0"/>
               <a:t>Connect : Select your driver and version. Add your connection string into application code.</a:t>
             </a:r>
-            <a:endParaRPr lang="en-US" dirty="0"/>
           </a:p>
         </p:txBody>
       </p:sp>
@@ -16692,7 +16701,6 @@
               <a:rPr lang="en-US" dirty="0"/>
               <a:t>Copy it and save it to use later. The password will be mentioned in angular braces replace it with your password, which you have provided while creating the connection.</a:t>
             </a:r>
-            <a:endParaRPr lang="en-US" dirty="0"/>
           </a:p>
         </p:txBody>
       </p:sp>
@@ -16826,7 +16834,6 @@
               <a:rPr lang="en-US" dirty="0"/>
               <a:t>To run the code we use node app.js command. Then the connected console will be displayed in the terminal.</a:t>
             </a:r>
-            <a:endParaRPr lang="en-US" dirty="0"/>
           </a:p>
         </p:txBody>
       </p:sp>
@@ -17012,8 +17019,8 @@
           <a:lstStyle/>
           <a:p>
             <a:r>
-              <a:rPr lang="en-US" smtClean="0"/>
-              <a:t>Sumana</a:t>
+              <a:rPr lang="en-US" dirty="0" smtClean="0"/>
+              <a:t>Naga Anshitha Velagapudi</a:t>
             </a:r>
             <a:endParaRPr lang="en-US" dirty="0"/>
           </a:p>
@@ -17195,10 +17202,9 @@
           <a:lstStyle/>
           <a:p>
             <a:r>
-              <a:rPr lang="en-US" smtClean="0"/>
-              <a:t>Sumana</a:t>
-            </a:r>
-            <a:endParaRPr lang="en-US" dirty="0"/>
+              <a:rPr lang="en-US" dirty="0"/>
+              <a:t>Naga Anshitha Velagapudi</a:t>
+            </a:r>
           </a:p>
         </p:txBody>
       </p:sp>
@@ -17386,10 +17392,9 @@
           <a:lstStyle/>
           <a:p>
             <a:r>
-              <a:rPr lang="en-US" smtClean="0"/>
-              <a:t>Sumana</a:t>
-            </a:r>
-            <a:endParaRPr lang="en-US" dirty="0"/>
+              <a:rPr lang="en-US" dirty="0"/>
+              <a:t>Naga Anshitha Velagapudi</a:t>
+            </a:r>
           </a:p>
         </p:txBody>
       </p:sp>
@@ -17890,10 +17895,9 @@
           <a:lstStyle/>
           <a:p>
             <a:r>
-              <a:rPr lang="en-US" smtClean="0"/>
-              <a:t>Sumana</a:t>
-            </a:r>
-            <a:endParaRPr lang="en-US" dirty="0"/>
+              <a:rPr lang="en-US" dirty="0"/>
+              <a:t>Naga Anshitha Velagapudi</a:t>
+            </a:r>
           </a:p>
         </p:txBody>
       </p:sp>
@@ -18073,10 +18077,9 @@
           <a:lstStyle/>
           <a:p>
             <a:r>
-              <a:rPr lang="en-US" smtClean="0"/>
-              <a:t>Sumana</a:t>
-            </a:r>
-            <a:endParaRPr lang="en-US" dirty="0"/>
+              <a:rPr lang="en-US" dirty="0"/>
+              <a:t>Naga Anshitha Velagapudi</a:t>
+            </a:r>
           </a:p>
         </p:txBody>
       </p:sp>
@@ -18204,7 +18207,6 @@
               <a:rPr lang="en-US" dirty="0"/>
               <a:t>Project Data Access Read/Write</a:t>
             </a:r>
-            <a:endParaRPr lang="en-US" dirty="0"/>
           </a:p>
         </p:txBody>
       </p:sp>
@@ -18224,10 +18226,9 @@
           <a:lstStyle/>
           <a:p>
             <a:r>
-              <a:rPr lang="en-US" smtClean="0"/>
-              <a:t>Sumana</a:t>
-            </a:r>
-            <a:endParaRPr lang="en-US" dirty="0"/>
+              <a:rPr lang="en-US" dirty="0"/>
+              <a:t>Naga Anshitha Velagapudi</a:t>
+            </a:r>
           </a:p>
         </p:txBody>
       </p:sp>
@@ -18665,10 +18666,9 @@
           <a:lstStyle/>
           <a:p>
             <a:r>
-              <a:rPr lang="en-US" smtClean="0"/>
-              <a:t>Sumana</a:t>
-            </a:r>
-            <a:endParaRPr lang="en-US" dirty="0"/>
+              <a:rPr lang="en-US" dirty="0"/>
+              <a:t>Naga Anshitha Velagapudi</a:t>
+            </a:r>
           </a:p>
         </p:txBody>
       </p:sp>
@@ -18851,10 +18851,9 @@
           <a:lstStyle/>
           <a:p>
             <a:r>
-              <a:rPr lang="en-US" smtClean="0"/>
-              <a:t>Sumana</a:t>
-            </a:r>
-            <a:endParaRPr lang="en-US" dirty="0"/>
+              <a:rPr lang="en-US" dirty="0"/>
+              <a:t>Naga Anshitha Velagapudi</a:t>
+            </a:r>
           </a:p>
         </p:txBody>
       </p:sp>
@@ -18885,6 +18884,1408 @@
     <p:extLst>
       <p:ext uri="{BB962C8B-B14F-4D97-AF65-F5344CB8AC3E}">
         <p14:creationId xmlns:p14="http://schemas.microsoft.com/office/powerpoint/2010/main" val="1110159020"/>
+      </p:ext>
+    </p:extLst>
+  </p:cSld>
+  <p:clrMapOvr>
+    <a:masterClrMapping/>
+  </p:clrMapOvr>
+</p:sld>
+</file>
+
+<file path=ppt/slides/slide22.xml><?xml version="1.0" encoding="utf-8"?>
+<p:sld xmlns:a="http://schemas.openxmlformats.org/drawingml/2006/main" xmlns:r="http://schemas.openxmlformats.org/officeDocument/2006/relationships" xmlns:p="http://schemas.openxmlformats.org/presentationml/2006/main">
+  <p:cSld>
+    <p:spTree>
+      <p:nvGrpSpPr>
+        <p:cNvPr id="1" name=""/>
+        <p:cNvGrpSpPr/>
+        <p:nvPr/>
+      </p:nvGrpSpPr>
+      <p:grpSpPr>
+        <a:xfrm>
+          <a:off x="0" y="0"/>
+          <a:ext cx="0" cy="0"/>
+          <a:chOff x="0" y="0"/>
+          <a:chExt cx="0" cy="0"/>
+        </a:xfrm>
+      </p:grpSpPr>
+      <p:sp>
+        <p:nvSpPr>
+          <p:cNvPr id="2" name="Title 1"/>
+          <p:cNvSpPr>
+            <a:spLocks noGrp="1"/>
+          </p:cNvSpPr>
+          <p:nvPr>
+            <p:ph type="title"/>
+          </p:nvPr>
+        </p:nvSpPr>
+        <p:spPr/>
+        <p:txBody>
+          <a:bodyPr/>
+          <a:lstStyle/>
+          <a:p>
+            <a:r>
+              <a:rPr lang="en-US" dirty="0">
+                <a:solidFill>
+                  <a:schemeClr val="bg1"/>
+                </a:solidFill>
+                <a:ea typeface="Cambria" panose="02040503050406030204" pitchFamily="18" charset="0"/>
+              </a:rPr>
+              <a:t>Back Up with Atlas</a:t>
+            </a:r>
+            <a:endParaRPr lang="en-US" dirty="0"/>
+          </a:p>
+        </p:txBody>
+      </p:sp>
+      <p:sp>
+        <p:nvSpPr>
+          <p:cNvPr id="3" name="Content Placeholder 2"/>
+          <p:cNvSpPr>
+            <a:spLocks noGrp="1"/>
+          </p:cNvSpPr>
+          <p:nvPr>
+            <p:ph idx="1"/>
+          </p:nvPr>
+        </p:nvSpPr>
+        <p:spPr/>
+        <p:txBody>
+          <a:bodyPr/>
+          <a:lstStyle/>
+          <a:p>
+            <a:r>
+              <a:rPr lang="en-US" dirty="0">
+                <a:ea typeface="Cambria" panose="02040503050406030204" pitchFamily="18" charset="0"/>
+              </a:rPr>
+              <a:t>While deploying in production, one should have backup plan without losing data.</a:t>
+            </a:r>
+          </a:p>
+          <a:p>
+            <a:pPr marL="0" indent="0">
+              <a:buNone/>
+            </a:pPr>
+            <a:r>
+              <a:rPr lang="en-US" dirty="0">
+                <a:ea typeface="Cambria" panose="02040503050406030204" pitchFamily="18" charset="0"/>
+              </a:rPr>
+              <a:t>    MongoDB Atlas provides two methods for backups:</a:t>
+            </a:r>
+          </a:p>
+          <a:p>
+            <a:r>
+              <a:rPr lang="en-US" dirty="0">
+                <a:ea typeface="Cambria" panose="02040503050406030204" pitchFamily="18" charset="0"/>
+              </a:rPr>
+              <a:t>Continuous Backups :  Within 24 hours, Atlas continuous backups allows one to restore from stored snapshots or selected point. You can also perform query operations.</a:t>
+            </a:r>
+          </a:p>
+          <a:p>
+            <a:r>
+              <a:rPr lang="en-US" dirty="0">
+                <a:ea typeface="Cambria" panose="02040503050406030204" pitchFamily="18" charset="0"/>
+              </a:rPr>
+              <a:t>Cloud Provider Snapshots : Using the native snapshot functionality, it provides localized backup storage.</a:t>
+            </a:r>
+            <a:endParaRPr lang="en-US" dirty="0">
+              <a:ea typeface="Cambria" panose="02040503050406030204" pitchFamily="18" charset="0"/>
+            </a:endParaRPr>
+          </a:p>
+        </p:txBody>
+      </p:sp>
+      <p:sp>
+        <p:nvSpPr>
+          <p:cNvPr id="4" name="Footer Placeholder 3"/>
+          <p:cNvSpPr>
+            <a:spLocks noGrp="1"/>
+          </p:cNvSpPr>
+          <p:nvPr>
+            <p:ph type="ftr" sz="quarter" idx="11"/>
+          </p:nvPr>
+        </p:nvSpPr>
+        <p:spPr/>
+        <p:txBody>
+          <a:bodyPr/>
+          <a:lstStyle/>
+          <a:p>
+            <a:r>
+              <a:rPr lang="en-US" dirty="0" err="1" smtClean="0"/>
+              <a:t>Navya</a:t>
+            </a:r>
+            <a:r>
+              <a:rPr lang="en-US" dirty="0" smtClean="0"/>
+              <a:t> </a:t>
+            </a:r>
+            <a:r>
+              <a:rPr lang="en-US" dirty="0" err="1" smtClean="0"/>
+              <a:t>Devineni</a:t>
+            </a:r>
+            <a:endParaRPr lang="en-US" dirty="0"/>
+          </a:p>
+        </p:txBody>
+      </p:sp>
+      <p:sp>
+        <p:nvSpPr>
+          <p:cNvPr id="5" name="Slide Number Placeholder 4"/>
+          <p:cNvSpPr>
+            <a:spLocks noGrp="1"/>
+          </p:cNvSpPr>
+          <p:nvPr>
+            <p:ph type="sldNum" sz="quarter" idx="12"/>
+          </p:nvPr>
+        </p:nvSpPr>
+        <p:spPr/>
+        <p:txBody>
+          <a:bodyPr/>
+          <a:lstStyle/>
+          <a:p>
+            <a:fld id="{6D22F896-40B5-4ADD-8801-0D06FADFA095}" type="slidenum">
+              <a:rPr lang="en-US" smtClean="0"/>
+              <a:t>22</a:t>
+            </a:fld>
+            <a:endParaRPr lang="en-US" dirty="0"/>
+          </a:p>
+        </p:txBody>
+      </p:sp>
+    </p:spTree>
+    <p:extLst>
+      <p:ext uri="{BB962C8B-B14F-4D97-AF65-F5344CB8AC3E}">
+        <p14:creationId xmlns:p14="http://schemas.microsoft.com/office/powerpoint/2010/main" val="1234215642"/>
+      </p:ext>
+    </p:extLst>
+  </p:cSld>
+  <p:clrMapOvr>
+    <a:masterClrMapping/>
+  </p:clrMapOvr>
+</p:sld>
+</file>
+
+<file path=ppt/slides/slide23.xml><?xml version="1.0" encoding="utf-8"?>
+<p:sld xmlns:a="http://schemas.openxmlformats.org/drawingml/2006/main" xmlns:r="http://schemas.openxmlformats.org/officeDocument/2006/relationships" xmlns:p="http://schemas.openxmlformats.org/presentationml/2006/main">
+  <p:cSld>
+    <p:spTree>
+      <p:nvGrpSpPr>
+        <p:cNvPr id="1" name=""/>
+        <p:cNvGrpSpPr/>
+        <p:nvPr/>
+      </p:nvGrpSpPr>
+      <p:grpSpPr>
+        <a:xfrm>
+          <a:off x="0" y="0"/>
+          <a:ext cx="0" cy="0"/>
+          <a:chOff x="0" y="0"/>
+          <a:chExt cx="0" cy="0"/>
+        </a:xfrm>
+      </p:grpSpPr>
+      <p:sp>
+        <p:nvSpPr>
+          <p:cNvPr id="2" name="Title 1"/>
+          <p:cNvSpPr>
+            <a:spLocks noGrp="1"/>
+          </p:cNvSpPr>
+          <p:nvPr>
+            <p:ph type="title"/>
+          </p:nvPr>
+        </p:nvSpPr>
+        <p:spPr/>
+        <p:txBody>
+          <a:bodyPr/>
+          <a:lstStyle/>
+          <a:p>
+            <a:r>
+              <a:rPr lang="en-US" dirty="0">
+                <a:solidFill>
+                  <a:schemeClr val="bg1"/>
+                </a:solidFill>
+                <a:ea typeface="Cambria" panose="02040503050406030204" pitchFamily="18" charset="0"/>
+              </a:rPr>
+              <a:t>MongoDB Cloud Manager</a:t>
+            </a:r>
+            <a:endParaRPr lang="en-US" dirty="0"/>
+          </a:p>
+        </p:txBody>
+      </p:sp>
+      <p:sp>
+        <p:nvSpPr>
+          <p:cNvPr id="3" name="Content Placeholder 2"/>
+          <p:cNvSpPr>
+            <a:spLocks noGrp="1"/>
+          </p:cNvSpPr>
+          <p:nvPr>
+            <p:ph idx="1"/>
+          </p:nvPr>
+        </p:nvSpPr>
+        <p:spPr/>
+        <p:txBody>
+          <a:bodyPr/>
+          <a:lstStyle/>
+          <a:p>
+            <a:r>
+              <a:rPr lang="en-US" dirty="0">
+                <a:ea typeface="Cambria" panose="02040503050406030204" pitchFamily="18" charset="0"/>
+              </a:rPr>
+              <a:t>It is a hosted  backup, monitoring, and automation service and supports backing up and restoring MongoDB deployments from a GUI.</a:t>
+            </a:r>
+          </a:p>
+          <a:p>
+            <a:r>
+              <a:rPr lang="en-US" dirty="0">
+                <a:ea typeface="Cambria" panose="02040503050406030204" pitchFamily="18" charset="0"/>
+              </a:rPr>
+              <a:t>It creates your snapshot data at set of intervals.</a:t>
+            </a:r>
+            <a:endParaRPr lang="en-US" dirty="0"/>
+          </a:p>
+        </p:txBody>
+      </p:sp>
+      <p:sp>
+        <p:nvSpPr>
+          <p:cNvPr id="4" name="Footer Placeholder 3"/>
+          <p:cNvSpPr>
+            <a:spLocks noGrp="1"/>
+          </p:cNvSpPr>
+          <p:nvPr>
+            <p:ph type="ftr" sz="quarter" idx="11"/>
+          </p:nvPr>
+        </p:nvSpPr>
+        <p:spPr/>
+        <p:txBody>
+          <a:bodyPr/>
+          <a:lstStyle/>
+          <a:p>
+            <a:r>
+              <a:rPr lang="en-US" dirty="0" err="1"/>
+              <a:t>Navya</a:t>
+            </a:r>
+            <a:r>
+              <a:rPr lang="en-US" dirty="0"/>
+              <a:t> </a:t>
+            </a:r>
+            <a:r>
+              <a:rPr lang="en-US" dirty="0" err="1"/>
+              <a:t>Devineni</a:t>
+            </a:r>
+            <a:endParaRPr lang="en-US" dirty="0"/>
+          </a:p>
+        </p:txBody>
+      </p:sp>
+      <p:sp>
+        <p:nvSpPr>
+          <p:cNvPr id="5" name="Slide Number Placeholder 4"/>
+          <p:cNvSpPr>
+            <a:spLocks noGrp="1"/>
+          </p:cNvSpPr>
+          <p:nvPr>
+            <p:ph type="sldNum" sz="quarter" idx="12"/>
+          </p:nvPr>
+        </p:nvSpPr>
+        <p:spPr/>
+        <p:txBody>
+          <a:bodyPr/>
+          <a:lstStyle/>
+          <a:p>
+            <a:fld id="{6D22F896-40B5-4ADD-8801-0D06FADFA095}" type="slidenum">
+              <a:rPr lang="en-US" smtClean="0"/>
+              <a:t>23</a:t>
+            </a:fld>
+            <a:endParaRPr lang="en-US" dirty="0"/>
+          </a:p>
+        </p:txBody>
+      </p:sp>
+    </p:spTree>
+    <p:extLst>
+      <p:ext uri="{BB962C8B-B14F-4D97-AF65-F5344CB8AC3E}">
+        <p14:creationId xmlns:p14="http://schemas.microsoft.com/office/powerpoint/2010/main" val="2434692647"/>
+      </p:ext>
+    </p:extLst>
+  </p:cSld>
+  <p:clrMapOvr>
+    <a:masterClrMapping/>
+  </p:clrMapOvr>
+</p:sld>
+</file>
+
+<file path=ppt/slides/slide24.xml><?xml version="1.0" encoding="utf-8"?>
+<p:sld xmlns:a="http://schemas.openxmlformats.org/drawingml/2006/main" xmlns:r="http://schemas.openxmlformats.org/officeDocument/2006/relationships" xmlns:p="http://schemas.openxmlformats.org/presentationml/2006/main">
+  <p:cSld>
+    <p:spTree>
+      <p:nvGrpSpPr>
+        <p:cNvPr id="1" name=""/>
+        <p:cNvGrpSpPr/>
+        <p:nvPr/>
+      </p:nvGrpSpPr>
+      <p:grpSpPr>
+        <a:xfrm>
+          <a:off x="0" y="0"/>
+          <a:ext cx="0" cy="0"/>
+          <a:chOff x="0" y="0"/>
+          <a:chExt cx="0" cy="0"/>
+        </a:xfrm>
+      </p:grpSpPr>
+      <p:sp>
+        <p:nvSpPr>
+          <p:cNvPr id="2" name="Title 1"/>
+          <p:cNvSpPr>
+            <a:spLocks noGrp="1"/>
+          </p:cNvSpPr>
+          <p:nvPr>
+            <p:ph type="title"/>
+          </p:nvPr>
+        </p:nvSpPr>
+        <p:spPr/>
+        <p:txBody>
+          <a:bodyPr/>
+          <a:lstStyle/>
+          <a:p>
+            <a:r>
+              <a:rPr lang="en-US" dirty="0">
+                <a:solidFill>
+                  <a:schemeClr val="bg1"/>
+                </a:solidFill>
+                <a:latin typeface="Calibri Light" panose="020F0302020204030204" pitchFamily="34" charset="0"/>
+                <a:ea typeface="Cambria" panose="02040503050406030204" pitchFamily="18" charset="0"/>
+                <a:cs typeface="Calibri Light" panose="020F0302020204030204" pitchFamily="34" charset="0"/>
+              </a:rPr>
+              <a:t>Ops Manager</a:t>
+            </a:r>
+            <a:endParaRPr lang="en-US" dirty="0"/>
+          </a:p>
+        </p:txBody>
+      </p:sp>
+      <p:sp>
+        <p:nvSpPr>
+          <p:cNvPr id="3" name="Content Placeholder 2"/>
+          <p:cNvSpPr>
+            <a:spLocks noGrp="1"/>
+          </p:cNvSpPr>
+          <p:nvPr>
+            <p:ph idx="1"/>
+          </p:nvPr>
+        </p:nvSpPr>
+        <p:spPr/>
+        <p:txBody>
+          <a:bodyPr/>
+          <a:lstStyle/>
+          <a:p>
+            <a:r>
+              <a:rPr lang="en-US" dirty="0">
+                <a:ea typeface="Cambria" panose="02040503050406030204" pitchFamily="18" charset="0"/>
+              </a:rPr>
+              <a:t>MongoDB subscribers can install and run the same core software that powers MongoDB Cloud Manager on their own infrastructure.</a:t>
+            </a:r>
+            <a:endParaRPr lang="en-US" dirty="0">
+              <a:ea typeface="Cambria" panose="02040503050406030204" pitchFamily="18" charset="0"/>
+            </a:endParaRPr>
+          </a:p>
+        </p:txBody>
+      </p:sp>
+      <p:sp>
+        <p:nvSpPr>
+          <p:cNvPr id="4" name="Footer Placeholder 3"/>
+          <p:cNvSpPr>
+            <a:spLocks noGrp="1"/>
+          </p:cNvSpPr>
+          <p:nvPr>
+            <p:ph type="ftr" sz="quarter" idx="11"/>
+          </p:nvPr>
+        </p:nvSpPr>
+        <p:spPr/>
+        <p:txBody>
+          <a:bodyPr/>
+          <a:lstStyle/>
+          <a:p>
+            <a:r>
+              <a:rPr lang="en-US" dirty="0" err="1"/>
+              <a:t>Navya</a:t>
+            </a:r>
+            <a:r>
+              <a:rPr lang="en-US" dirty="0"/>
+              <a:t> </a:t>
+            </a:r>
+            <a:r>
+              <a:rPr lang="en-US" dirty="0" err="1"/>
+              <a:t>Devineni</a:t>
+            </a:r>
+            <a:endParaRPr lang="en-US" dirty="0"/>
+          </a:p>
+        </p:txBody>
+      </p:sp>
+      <p:sp>
+        <p:nvSpPr>
+          <p:cNvPr id="5" name="Slide Number Placeholder 4"/>
+          <p:cNvSpPr>
+            <a:spLocks noGrp="1"/>
+          </p:cNvSpPr>
+          <p:nvPr>
+            <p:ph type="sldNum" sz="quarter" idx="12"/>
+          </p:nvPr>
+        </p:nvSpPr>
+        <p:spPr/>
+        <p:txBody>
+          <a:bodyPr/>
+          <a:lstStyle/>
+          <a:p>
+            <a:fld id="{6D22F896-40B5-4ADD-8801-0D06FADFA095}" type="slidenum">
+              <a:rPr lang="en-US" smtClean="0"/>
+              <a:t>24</a:t>
+            </a:fld>
+            <a:endParaRPr lang="en-US" dirty="0"/>
+          </a:p>
+        </p:txBody>
+      </p:sp>
+    </p:spTree>
+    <p:extLst>
+      <p:ext uri="{BB962C8B-B14F-4D97-AF65-F5344CB8AC3E}">
+        <p14:creationId xmlns:p14="http://schemas.microsoft.com/office/powerpoint/2010/main" val="136775309"/>
+      </p:ext>
+    </p:extLst>
+  </p:cSld>
+  <p:clrMapOvr>
+    <a:masterClrMapping/>
+  </p:clrMapOvr>
+</p:sld>
+</file>
+
+<file path=ppt/slides/slide25.xml><?xml version="1.0" encoding="utf-8"?>
+<p:sld xmlns:a="http://schemas.openxmlformats.org/drawingml/2006/main" xmlns:r="http://schemas.openxmlformats.org/officeDocument/2006/relationships" xmlns:p="http://schemas.openxmlformats.org/presentationml/2006/main">
+  <p:cSld>
+    <p:spTree>
+      <p:nvGrpSpPr>
+        <p:cNvPr id="1" name=""/>
+        <p:cNvGrpSpPr/>
+        <p:nvPr/>
+      </p:nvGrpSpPr>
+      <p:grpSpPr>
+        <a:xfrm>
+          <a:off x="0" y="0"/>
+          <a:ext cx="0" cy="0"/>
+          <a:chOff x="0" y="0"/>
+          <a:chExt cx="0" cy="0"/>
+        </a:xfrm>
+      </p:grpSpPr>
+      <p:sp>
+        <p:nvSpPr>
+          <p:cNvPr id="2" name="Title 1"/>
+          <p:cNvSpPr>
+            <a:spLocks noGrp="1"/>
+          </p:cNvSpPr>
+          <p:nvPr>
+            <p:ph type="title"/>
+          </p:nvPr>
+        </p:nvSpPr>
+        <p:spPr/>
+        <p:txBody>
+          <a:bodyPr/>
+          <a:lstStyle/>
+          <a:p>
+            <a:r>
+              <a:rPr lang="en-US" dirty="0">
+                <a:solidFill>
+                  <a:schemeClr val="bg1"/>
+                </a:solidFill>
+                <a:latin typeface="Calibri Light" panose="020F0302020204030204" pitchFamily="34" charset="0"/>
+                <a:ea typeface="Cambria" panose="02040503050406030204" pitchFamily="18" charset="0"/>
+                <a:cs typeface="Calibri Light" panose="020F0302020204030204" pitchFamily="34" charset="0"/>
+              </a:rPr>
+              <a:t>Backup Workflow</a:t>
+            </a:r>
+            <a:endParaRPr lang="en-US" dirty="0"/>
+          </a:p>
+        </p:txBody>
+      </p:sp>
+      <p:sp>
+        <p:nvSpPr>
+          <p:cNvPr id="3" name="Content Placeholder 2"/>
+          <p:cNvSpPr>
+            <a:spLocks noGrp="1"/>
+          </p:cNvSpPr>
+          <p:nvPr>
+            <p:ph idx="1"/>
+          </p:nvPr>
+        </p:nvSpPr>
+        <p:spPr/>
+        <p:txBody>
+          <a:bodyPr/>
+          <a:lstStyle/>
+          <a:p>
+            <a:r>
+              <a:rPr lang="en-US" dirty="0">
+                <a:ea typeface="Cambria" panose="02040503050406030204" pitchFamily="18" charset="0"/>
+              </a:rPr>
+              <a:t>Backup performs an initial sync of deployment’s data as if it were creating a new, “invisible” member of a replica set.</a:t>
+            </a:r>
+          </a:p>
+          <a:p>
+            <a:r>
+              <a:rPr lang="en-US" dirty="0">
+                <a:ea typeface="Cambria" panose="02040503050406030204" pitchFamily="18" charset="0"/>
+              </a:rPr>
+              <a:t>Backup executes the initial sync and the tailing of the </a:t>
+            </a:r>
+            <a:r>
+              <a:rPr lang="en-US" dirty="0" err="1">
+                <a:ea typeface="Cambria" panose="02040503050406030204" pitchFamily="18" charset="0"/>
+              </a:rPr>
+              <a:t>oplog</a:t>
+            </a:r>
+            <a:r>
+              <a:rPr lang="en-US" dirty="0">
+                <a:ea typeface="Cambria" panose="02040503050406030204" pitchFamily="18" charset="0"/>
+              </a:rPr>
+              <a:t> (stores </a:t>
+            </a:r>
+            <a:r>
+              <a:rPr lang="en-US" dirty="0"/>
+              <a:t>an ordered history of logical writes to a MongoDB database) </a:t>
+            </a:r>
+            <a:r>
+              <a:rPr lang="en-US" dirty="0">
+                <a:ea typeface="Cambria" panose="02040503050406030204" pitchFamily="18" charset="0"/>
+              </a:rPr>
+              <a:t> using standard MongoDB queries. The cluster being backed up is unaware of the additional copy of the backup data.</a:t>
+            </a:r>
+          </a:p>
+          <a:p>
+            <a:r>
+              <a:rPr lang="en-US" dirty="0">
+                <a:ea typeface="Cambria" panose="02040503050406030204" pitchFamily="18" charset="0"/>
+              </a:rPr>
+              <a:t>Backup uses a MongoDB instance version equal to or greater than the version of the replica set it backs up.</a:t>
+            </a:r>
+            <a:br>
+              <a:rPr lang="en-US" dirty="0">
+                <a:ea typeface="Cambria" panose="02040503050406030204" pitchFamily="18" charset="0"/>
+              </a:rPr>
+            </a:br>
+            <a:endParaRPr lang="en-US" dirty="0">
+              <a:ea typeface="Cambria" panose="02040503050406030204" pitchFamily="18" charset="0"/>
+            </a:endParaRPr>
+          </a:p>
+        </p:txBody>
+      </p:sp>
+      <p:sp>
+        <p:nvSpPr>
+          <p:cNvPr id="4" name="Footer Placeholder 3"/>
+          <p:cNvSpPr>
+            <a:spLocks noGrp="1"/>
+          </p:cNvSpPr>
+          <p:nvPr>
+            <p:ph type="ftr" sz="quarter" idx="11"/>
+          </p:nvPr>
+        </p:nvSpPr>
+        <p:spPr/>
+        <p:txBody>
+          <a:bodyPr/>
+          <a:lstStyle/>
+          <a:p>
+            <a:r>
+              <a:rPr lang="en-US" dirty="0" err="1"/>
+              <a:t>Navya</a:t>
+            </a:r>
+            <a:r>
+              <a:rPr lang="en-US" dirty="0"/>
+              <a:t> </a:t>
+            </a:r>
+            <a:r>
+              <a:rPr lang="en-US" dirty="0" err="1"/>
+              <a:t>Devineni</a:t>
+            </a:r>
+            <a:endParaRPr lang="en-US" dirty="0"/>
+          </a:p>
+        </p:txBody>
+      </p:sp>
+      <p:sp>
+        <p:nvSpPr>
+          <p:cNvPr id="5" name="Slide Number Placeholder 4"/>
+          <p:cNvSpPr>
+            <a:spLocks noGrp="1"/>
+          </p:cNvSpPr>
+          <p:nvPr>
+            <p:ph type="sldNum" sz="quarter" idx="12"/>
+          </p:nvPr>
+        </p:nvSpPr>
+        <p:spPr/>
+        <p:txBody>
+          <a:bodyPr/>
+          <a:lstStyle/>
+          <a:p>
+            <a:fld id="{6D22F896-40B5-4ADD-8801-0D06FADFA095}" type="slidenum">
+              <a:rPr lang="en-US" smtClean="0"/>
+              <a:t>25</a:t>
+            </a:fld>
+            <a:endParaRPr lang="en-US" dirty="0"/>
+          </a:p>
+        </p:txBody>
+      </p:sp>
+    </p:spTree>
+    <p:extLst>
+      <p:ext uri="{BB962C8B-B14F-4D97-AF65-F5344CB8AC3E}">
+        <p14:creationId xmlns:p14="http://schemas.microsoft.com/office/powerpoint/2010/main" val="3826778214"/>
+      </p:ext>
+    </p:extLst>
+  </p:cSld>
+  <p:clrMapOvr>
+    <a:masterClrMapping/>
+  </p:clrMapOvr>
+</p:sld>
+</file>
+
+<file path=ppt/slides/slide26.xml><?xml version="1.0" encoding="utf-8"?>
+<p:sld xmlns:a="http://schemas.openxmlformats.org/drawingml/2006/main" xmlns:r="http://schemas.openxmlformats.org/officeDocument/2006/relationships" xmlns:p="http://schemas.openxmlformats.org/presentationml/2006/main">
+  <p:cSld>
+    <p:spTree>
+      <p:nvGrpSpPr>
+        <p:cNvPr id="1" name=""/>
+        <p:cNvGrpSpPr/>
+        <p:nvPr/>
+      </p:nvGrpSpPr>
+      <p:grpSpPr>
+        <a:xfrm>
+          <a:off x="0" y="0"/>
+          <a:ext cx="0" cy="0"/>
+          <a:chOff x="0" y="0"/>
+          <a:chExt cx="0" cy="0"/>
+        </a:xfrm>
+      </p:grpSpPr>
+      <p:sp>
+        <p:nvSpPr>
+          <p:cNvPr id="2" name="Title 1"/>
+          <p:cNvSpPr>
+            <a:spLocks noGrp="1"/>
+          </p:cNvSpPr>
+          <p:nvPr>
+            <p:ph type="title"/>
+          </p:nvPr>
+        </p:nvSpPr>
+        <p:spPr/>
+        <p:txBody>
+          <a:bodyPr>
+            <a:normAutofit fontScale="90000"/>
+          </a:bodyPr>
+          <a:lstStyle/>
+          <a:p>
+            <a:r>
+              <a:rPr lang="en-US" dirty="0">
+                <a:solidFill>
+                  <a:schemeClr val="bg1"/>
+                </a:solidFill>
+                <a:latin typeface="Calibri Light" panose="020F0302020204030204" pitchFamily="34" charset="0"/>
+                <a:ea typeface="Cambria" panose="02040503050406030204" pitchFamily="18" charset="0"/>
+                <a:cs typeface="Calibri Light" panose="020F0302020204030204" pitchFamily="34" charset="0"/>
+              </a:rPr>
+              <a:t>To create an instance of database connection</a:t>
+            </a:r>
+            <a:endParaRPr lang="en-US" dirty="0"/>
+          </a:p>
+        </p:txBody>
+      </p:sp>
+      <p:sp>
+        <p:nvSpPr>
+          <p:cNvPr id="3" name="Content Placeholder 2"/>
+          <p:cNvSpPr>
+            <a:spLocks noGrp="1"/>
+          </p:cNvSpPr>
+          <p:nvPr>
+            <p:ph idx="1"/>
+          </p:nvPr>
+        </p:nvSpPr>
+        <p:spPr/>
+        <p:txBody>
+          <a:bodyPr/>
+          <a:lstStyle/>
+          <a:p>
+            <a:pPr marL="0" indent="0">
+              <a:buNone/>
+            </a:pPr>
+            <a:r>
+              <a:rPr lang="en-US" dirty="0" err="1">
+                <a:ea typeface="Cambria" panose="02040503050406030204" pitchFamily="18" charset="0"/>
+              </a:rPr>
+              <a:t>const</a:t>
+            </a:r>
+            <a:r>
+              <a:rPr lang="en-US" dirty="0">
+                <a:ea typeface="Cambria" panose="02040503050406030204" pitchFamily="18" charset="0"/>
+              </a:rPr>
+              <a:t> backup = new </a:t>
+            </a:r>
+            <a:r>
+              <a:rPr lang="en-US" dirty="0" err="1">
+                <a:ea typeface="Cambria" panose="02040503050406030204" pitchFamily="18" charset="0"/>
+              </a:rPr>
+              <a:t>MongoBackup</a:t>
+            </a:r>
+            <a:r>
+              <a:rPr lang="en-US" dirty="0">
+                <a:ea typeface="Cambria" panose="02040503050406030204" pitchFamily="18" charset="0"/>
+              </a:rPr>
+              <a:t>({</a:t>
+            </a:r>
+          </a:p>
+          <a:p>
+            <a:pPr marL="0" indent="0">
+              <a:buNone/>
+            </a:pPr>
+            <a:r>
+              <a:rPr lang="en-US" dirty="0">
+                <a:ea typeface="Cambria" panose="02040503050406030204" pitchFamily="18" charset="0"/>
+              </a:rPr>
+              <a:t>    user: '</a:t>
+            </a:r>
+            <a:r>
+              <a:rPr lang="en-US" dirty="0" err="1">
+                <a:ea typeface="Cambria" panose="02040503050406030204" pitchFamily="18" charset="0"/>
+              </a:rPr>
+              <a:t>userWithMightyAccess</a:t>
+            </a:r>
+            <a:r>
+              <a:rPr lang="en-US" dirty="0">
+                <a:ea typeface="Cambria" panose="02040503050406030204" pitchFamily="18" charset="0"/>
+              </a:rPr>
+              <a:t>',</a:t>
+            </a:r>
+          </a:p>
+          <a:p>
+            <a:pPr marL="0" indent="0">
+              <a:buNone/>
+            </a:pPr>
+            <a:r>
+              <a:rPr lang="en-US" dirty="0">
+                <a:ea typeface="Cambria" panose="02040503050406030204" pitchFamily="18" charset="0"/>
+              </a:rPr>
+              <a:t>    password: '&lt;VERY SECRET PASSWORD&gt;',</a:t>
+            </a:r>
+          </a:p>
+          <a:p>
+            <a:pPr marL="0" indent="0">
+              <a:buNone/>
+            </a:pPr>
+            <a:r>
+              <a:rPr lang="en-US" dirty="0">
+                <a:ea typeface="Cambria" panose="02040503050406030204" pitchFamily="18" charset="0"/>
+              </a:rPr>
+              <a:t>    </a:t>
+            </a:r>
+            <a:r>
+              <a:rPr lang="en-US" dirty="0" err="1">
+                <a:ea typeface="Cambria" panose="02040503050406030204" pitchFamily="18" charset="0"/>
+              </a:rPr>
+              <a:t>replicaSet</a:t>
+            </a:r>
+            <a:r>
+              <a:rPr lang="en-US" dirty="0">
+                <a:ea typeface="Cambria" panose="02040503050406030204" pitchFamily="18" charset="0"/>
+              </a:rPr>
+              <a:t>: 'Cluster0-shard-0',</a:t>
+            </a:r>
+          </a:p>
+          <a:p>
+            <a:pPr marL="0" indent="0">
+              <a:buNone/>
+            </a:pPr>
+            <a:r>
+              <a:rPr lang="en-US" dirty="0">
+                <a:ea typeface="Cambria" panose="02040503050406030204" pitchFamily="18" charset="0"/>
+              </a:rPr>
+              <a:t>    nodes: [</a:t>
+            </a:r>
+          </a:p>
+          <a:p>
+            <a:pPr marL="0" indent="0">
+              <a:buNone/>
+            </a:pPr>
+            <a:r>
+              <a:rPr lang="en-US" dirty="0">
+                <a:ea typeface="Cambria" panose="02040503050406030204" pitchFamily="18" charset="0"/>
+              </a:rPr>
+              <a:t>        'cluster0-shard-00-00-cbei2.mongodb.net:27017',</a:t>
+            </a:r>
+          </a:p>
+          <a:p>
+            <a:pPr marL="0" indent="0">
+              <a:buNone/>
+            </a:pPr>
+            <a:r>
+              <a:rPr lang="en-US" dirty="0">
+                <a:ea typeface="Cambria" panose="02040503050406030204" pitchFamily="18" charset="0"/>
+              </a:rPr>
+              <a:t>        'cluster0-shard-00-01-cbei2.mongodb.net:27017',</a:t>
+            </a:r>
+          </a:p>
+          <a:p>
+            <a:pPr marL="0" indent="0">
+              <a:buNone/>
+            </a:pPr>
+            <a:r>
+              <a:rPr lang="en-US" dirty="0">
+                <a:ea typeface="Cambria" panose="02040503050406030204" pitchFamily="18" charset="0"/>
+              </a:rPr>
+              <a:t>        'cluster0-shard-00-02-cbei2.mongodb.net:27017'</a:t>
+            </a:r>
+          </a:p>
+          <a:p>
+            <a:pPr marL="0" indent="0">
+              <a:buNone/>
+            </a:pPr>
+            <a:r>
+              <a:rPr lang="en-US" dirty="0">
+                <a:ea typeface="Cambria" panose="02040503050406030204" pitchFamily="18" charset="0"/>
+              </a:rPr>
+              <a:t>    ]</a:t>
+            </a:r>
+          </a:p>
+          <a:p>
+            <a:pPr marL="0" indent="0">
+              <a:buNone/>
+            </a:pPr>
+            <a:r>
+              <a:rPr lang="en-US" dirty="0">
+                <a:ea typeface="Cambria" panose="02040503050406030204" pitchFamily="18" charset="0"/>
+              </a:rPr>
+              <a:t>})</a:t>
+            </a:r>
+            <a:endParaRPr lang="en-US" dirty="0">
+              <a:ea typeface="Cambria" panose="02040503050406030204" pitchFamily="18" charset="0"/>
+            </a:endParaRPr>
+          </a:p>
+        </p:txBody>
+      </p:sp>
+      <p:sp>
+        <p:nvSpPr>
+          <p:cNvPr id="4" name="Footer Placeholder 3"/>
+          <p:cNvSpPr>
+            <a:spLocks noGrp="1"/>
+          </p:cNvSpPr>
+          <p:nvPr>
+            <p:ph type="ftr" sz="quarter" idx="11"/>
+          </p:nvPr>
+        </p:nvSpPr>
+        <p:spPr/>
+        <p:txBody>
+          <a:bodyPr/>
+          <a:lstStyle/>
+          <a:p>
+            <a:r>
+              <a:rPr lang="en-US" dirty="0" err="1"/>
+              <a:t>Navya</a:t>
+            </a:r>
+            <a:r>
+              <a:rPr lang="en-US" dirty="0"/>
+              <a:t> </a:t>
+            </a:r>
+            <a:r>
+              <a:rPr lang="en-US" dirty="0" err="1"/>
+              <a:t>Devineni</a:t>
+            </a:r>
+            <a:endParaRPr lang="en-US" dirty="0"/>
+          </a:p>
+        </p:txBody>
+      </p:sp>
+      <p:sp>
+        <p:nvSpPr>
+          <p:cNvPr id="5" name="Slide Number Placeholder 4"/>
+          <p:cNvSpPr>
+            <a:spLocks noGrp="1"/>
+          </p:cNvSpPr>
+          <p:nvPr>
+            <p:ph type="sldNum" sz="quarter" idx="12"/>
+          </p:nvPr>
+        </p:nvSpPr>
+        <p:spPr/>
+        <p:txBody>
+          <a:bodyPr/>
+          <a:lstStyle/>
+          <a:p>
+            <a:fld id="{6D22F896-40B5-4ADD-8801-0D06FADFA095}" type="slidenum">
+              <a:rPr lang="en-US" smtClean="0"/>
+              <a:t>26</a:t>
+            </a:fld>
+            <a:endParaRPr lang="en-US" dirty="0"/>
+          </a:p>
+        </p:txBody>
+      </p:sp>
+    </p:spTree>
+    <p:extLst>
+      <p:ext uri="{BB962C8B-B14F-4D97-AF65-F5344CB8AC3E}">
+        <p14:creationId xmlns:p14="http://schemas.microsoft.com/office/powerpoint/2010/main" val="3089776313"/>
+      </p:ext>
+    </p:extLst>
+  </p:cSld>
+  <p:clrMapOvr>
+    <a:masterClrMapping/>
+  </p:clrMapOvr>
+</p:sld>
+</file>
+
+<file path=ppt/slides/slide27.xml><?xml version="1.0" encoding="utf-8"?>
+<p:sld xmlns:a="http://schemas.openxmlformats.org/drawingml/2006/main" xmlns:r="http://schemas.openxmlformats.org/officeDocument/2006/relationships" xmlns:p="http://schemas.openxmlformats.org/presentationml/2006/main">
+  <p:cSld>
+    <p:spTree>
+      <p:nvGrpSpPr>
+        <p:cNvPr id="1" name=""/>
+        <p:cNvGrpSpPr/>
+        <p:nvPr/>
+      </p:nvGrpSpPr>
+      <p:grpSpPr>
+        <a:xfrm>
+          <a:off x="0" y="0"/>
+          <a:ext cx="0" cy="0"/>
+          <a:chOff x="0" y="0"/>
+          <a:chExt cx="0" cy="0"/>
+        </a:xfrm>
+      </p:grpSpPr>
+      <p:sp>
+        <p:nvSpPr>
+          <p:cNvPr id="2" name="Title 1"/>
+          <p:cNvSpPr>
+            <a:spLocks noGrp="1"/>
+          </p:cNvSpPr>
+          <p:nvPr>
+            <p:ph type="title"/>
+          </p:nvPr>
+        </p:nvSpPr>
+        <p:spPr/>
+        <p:txBody>
+          <a:bodyPr/>
+          <a:lstStyle/>
+          <a:p>
+            <a:endParaRPr lang="en-US"/>
+          </a:p>
+        </p:txBody>
+      </p:sp>
+      <p:sp>
+        <p:nvSpPr>
+          <p:cNvPr id="3" name="Content Placeholder 2"/>
+          <p:cNvSpPr>
+            <a:spLocks noGrp="1"/>
+          </p:cNvSpPr>
+          <p:nvPr>
+            <p:ph idx="1"/>
+          </p:nvPr>
+        </p:nvSpPr>
+        <p:spPr/>
+        <p:txBody>
+          <a:bodyPr/>
+          <a:lstStyle/>
+          <a:p>
+            <a:r>
+              <a:rPr lang="en-US" dirty="0"/>
+              <a:t>Cluster dumping</a:t>
+            </a:r>
+          </a:p>
+          <a:p>
+            <a:pPr marL="0" indent="0">
+              <a:buNone/>
+            </a:pPr>
+            <a:r>
+              <a:rPr lang="en-US" dirty="0"/>
+              <a:t>      </a:t>
+            </a:r>
+            <a:r>
+              <a:rPr lang="en-US" dirty="0" err="1"/>
+              <a:t>backup.dump</a:t>
+            </a:r>
+            <a:r>
+              <a:rPr lang="en-US" dirty="0"/>
+              <a:t>()</a:t>
+            </a:r>
+          </a:p>
+          <a:p>
+            <a:endParaRPr lang="en-US" dirty="0"/>
+          </a:p>
+          <a:p>
+            <a:r>
+              <a:rPr lang="en-US" dirty="0"/>
+              <a:t> Restore data to your cluster</a:t>
+            </a:r>
+          </a:p>
+          <a:p>
+            <a:pPr marL="0" indent="0">
+              <a:buNone/>
+            </a:pPr>
+            <a:r>
+              <a:rPr lang="en-US" dirty="0"/>
+              <a:t>      </a:t>
+            </a:r>
+            <a:r>
+              <a:rPr lang="en-US" dirty="0" err="1"/>
+              <a:t>backup.restore</a:t>
+            </a:r>
+            <a:r>
+              <a:rPr lang="en-US" dirty="0"/>
+              <a:t>()</a:t>
+            </a:r>
+            <a:endParaRPr lang="en-US" dirty="0"/>
+          </a:p>
+        </p:txBody>
+      </p:sp>
+      <p:sp>
+        <p:nvSpPr>
+          <p:cNvPr id="4" name="Footer Placeholder 3"/>
+          <p:cNvSpPr>
+            <a:spLocks noGrp="1"/>
+          </p:cNvSpPr>
+          <p:nvPr>
+            <p:ph type="ftr" sz="quarter" idx="11"/>
+          </p:nvPr>
+        </p:nvSpPr>
+        <p:spPr/>
+        <p:txBody>
+          <a:bodyPr/>
+          <a:lstStyle/>
+          <a:p>
+            <a:r>
+              <a:rPr lang="en-US" dirty="0" err="1"/>
+              <a:t>Navya</a:t>
+            </a:r>
+            <a:r>
+              <a:rPr lang="en-US" dirty="0"/>
+              <a:t> </a:t>
+            </a:r>
+            <a:r>
+              <a:rPr lang="en-US" dirty="0" err="1"/>
+              <a:t>Devineni</a:t>
+            </a:r>
+            <a:endParaRPr lang="en-US" dirty="0"/>
+          </a:p>
+        </p:txBody>
+      </p:sp>
+      <p:sp>
+        <p:nvSpPr>
+          <p:cNvPr id="5" name="Slide Number Placeholder 4"/>
+          <p:cNvSpPr>
+            <a:spLocks noGrp="1"/>
+          </p:cNvSpPr>
+          <p:nvPr>
+            <p:ph type="sldNum" sz="quarter" idx="12"/>
+          </p:nvPr>
+        </p:nvSpPr>
+        <p:spPr/>
+        <p:txBody>
+          <a:bodyPr/>
+          <a:lstStyle/>
+          <a:p>
+            <a:fld id="{6D22F896-40B5-4ADD-8801-0D06FADFA095}" type="slidenum">
+              <a:rPr lang="en-US" smtClean="0"/>
+              <a:t>27</a:t>
+            </a:fld>
+            <a:endParaRPr lang="en-US" dirty="0"/>
+          </a:p>
+        </p:txBody>
+      </p:sp>
+    </p:spTree>
+    <p:extLst>
+      <p:ext uri="{BB962C8B-B14F-4D97-AF65-F5344CB8AC3E}">
+        <p14:creationId xmlns:p14="http://schemas.microsoft.com/office/powerpoint/2010/main" val="245795587"/>
+      </p:ext>
+    </p:extLst>
+  </p:cSld>
+  <p:clrMapOvr>
+    <a:masterClrMapping/>
+  </p:clrMapOvr>
+</p:sld>
+</file>
+
+<file path=ppt/slides/slide28.xml><?xml version="1.0" encoding="utf-8"?>
+<p:sld xmlns:a="http://schemas.openxmlformats.org/drawingml/2006/main" xmlns:r="http://schemas.openxmlformats.org/officeDocument/2006/relationships" xmlns:p="http://schemas.openxmlformats.org/presentationml/2006/main">
+  <p:cSld>
+    <p:spTree>
+      <p:nvGrpSpPr>
+        <p:cNvPr id="1" name=""/>
+        <p:cNvGrpSpPr/>
+        <p:nvPr/>
+      </p:nvGrpSpPr>
+      <p:grpSpPr>
+        <a:xfrm>
+          <a:off x="0" y="0"/>
+          <a:ext cx="0" cy="0"/>
+          <a:chOff x="0" y="0"/>
+          <a:chExt cx="0" cy="0"/>
+        </a:xfrm>
+      </p:grpSpPr>
+      <p:sp>
+        <p:nvSpPr>
+          <p:cNvPr id="2" name="Title 1"/>
+          <p:cNvSpPr>
+            <a:spLocks noGrp="1"/>
+          </p:cNvSpPr>
+          <p:nvPr>
+            <p:ph type="title"/>
+          </p:nvPr>
+        </p:nvSpPr>
+        <p:spPr/>
+        <p:txBody>
+          <a:bodyPr/>
+          <a:lstStyle/>
+          <a:p>
+            <a:r>
+              <a:rPr lang="en-US" dirty="0">
+                <a:solidFill>
+                  <a:schemeClr val="bg1"/>
+                </a:solidFill>
+                <a:ea typeface="Cambria" panose="02040503050406030204" pitchFamily="18" charset="0"/>
+              </a:rPr>
+              <a:t>How Backup Works</a:t>
+            </a:r>
+            <a:endParaRPr lang="en-US" dirty="0"/>
+          </a:p>
+        </p:txBody>
+      </p:sp>
+      <p:sp>
+        <p:nvSpPr>
+          <p:cNvPr id="3" name="Content Placeholder 2"/>
+          <p:cNvSpPr>
+            <a:spLocks noGrp="1"/>
+          </p:cNvSpPr>
+          <p:nvPr>
+            <p:ph idx="1"/>
+          </p:nvPr>
+        </p:nvSpPr>
+        <p:spPr/>
+        <p:txBody>
+          <a:bodyPr/>
+          <a:lstStyle/>
+          <a:p>
+            <a:r>
+              <a:rPr lang="en-US" dirty="0">
+                <a:ea typeface="Cambria" panose="02040503050406030204" pitchFamily="18" charset="0"/>
+              </a:rPr>
+              <a:t>When you activate Backup for a MongoDB deployment, Backup takes snapshots of data from the MongoDB processes you have specified.</a:t>
+            </a:r>
+            <a:endParaRPr lang="en-US" dirty="0">
+              <a:ea typeface="Cambria" panose="02040503050406030204" pitchFamily="18" charset="0"/>
+            </a:endParaRPr>
+          </a:p>
+        </p:txBody>
+      </p:sp>
+      <p:sp>
+        <p:nvSpPr>
+          <p:cNvPr id="4" name="Footer Placeholder 3"/>
+          <p:cNvSpPr>
+            <a:spLocks noGrp="1"/>
+          </p:cNvSpPr>
+          <p:nvPr>
+            <p:ph type="ftr" sz="quarter" idx="11"/>
+          </p:nvPr>
+        </p:nvSpPr>
+        <p:spPr/>
+        <p:txBody>
+          <a:bodyPr/>
+          <a:lstStyle/>
+          <a:p>
+            <a:r>
+              <a:rPr lang="en-US" smtClean="0"/>
+              <a:t>Sumana</a:t>
+            </a:r>
+            <a:endParaRPr lang="en-US" dirty="0"/>
+          </a:p>
+        </p:txBody>
+      </p:sp>
+      <p:sp>
+        <p:nvSpPr>
+          <p:cNvPr id="5" name="Slide Number Placeholder 4"/>
+          <p:cNvSpPr>
+            <a:spLocks noGrp="1"/>
+          </p:cNvSpPr>
+          <p:nvPr>
+            <p:ph type="sldNum" sz="quarter" idx="12"/>
+          </p:nvPr>
+        </p:nvSpPr>
+        <p:spPr/>
+        <p:txBody>
+          <a:bodyPr/>
+          <a:lstStyle/>
+          <a:p>
+            <a:fld id="{6D22F896-40B5-4ADD-8801-0D06FADFA095}" type="slidenum">
+              <a:rPr lang="en-US" smtClean="0"/>
+              <a:t>28</a:t>
+            </a:fld>
+            <a:endParaRPr lang="en-US" dirty="0"/>
+          </a:p>
+        </p:txBody>
+      </p:sp>
+    </p:spTree>
+    <p:extLst>
+      <p:ext uri="{BB962C8B-B14F-4D97-AF65-F5344CB8AC3E}">
+        <p14:creationId xmlns:p14="http://schemas.microsoft.com/office/powerpoint/2010/main" val="293976761"/>
+      </p:ext>
+    </p:extLst>
+  </p:cSld>
+  <p:clrMapOvr>
+    <a:masterClrMapping/>
+  </p:clrMapOvr>
+</p:sld>
+</file>
+
+<file path=ppt/slides/slide29.xml><?xml version="1.0" encoding="utf-8"?>
+<p:sld xmlns:a="http://schemas.openxmlformats.org/drawingml/2006/main" xmlns:r="http://schemas.openxmlformats.org/officeDocument/2006/relationships" xmlns:p="http://schemas.openxmlformats.org/presentationml/2006/main">
+  <p:cSld>
+    <p:spTree>
+      <p:nvGrpSpPr>
+        <p:cNvPr id="1" name=""/>
+        <p:cNvGrpSpPr/>
+        <p:nvPr/>
+      </p:nvGrpSpPr>
+      <p:grpSpPr>
+        <a:xfrm>
+          <a:off x="0" y="0"/>
+          <a:ext cx="0" cy="0"/>
+          <a:chOff x="0" y="0"/>
+          <a:chExt cx="0" cy="0"/>
+        </a:xfrm>
+      </p:grpSpPr>
+      <p:sp>
+        <p:nvSpPr>
+          <p:cNvPr id="2" name="Title 1"/>
+          <p:cNvSpPr>
+            <a:spLocks noGrp="1"/>
+          </p:cNvSpPr>
+          <p:nvPr>
+            <p:ph type="title"/>
+          </p:nvPr>
+        </p:nvSpPr>
+        <p:spPr/>
+        <p:txBody>
+          <a:bodyPr/>
+          <a:lstStyle/>
+          <a:p>
+            <a:r>
+              <a:rPr lang="en-US" dirty="0">
+                <a:solidFill>
+                  <a:schemeClr val="bg1"/>
+                </a:solidFill>
+                <a:latin typeface="Calibri Light" panose="020F0302020204030204" pitchFamily="34" charset="0"/>
+                <a:ea typeface="Cambria" panose="02040503050406030204" pitchFamily="18" charset="0"/>
+                <a:cs typeface="Calibri Light" panose="020F0302020204030204" pitchFamily="34" charset="0"/>
+              </a:rPr>
+              <a:t>Restore Data</a:t>
+            </a:r>
+            <a:endParaRPr lang="en-US" dirty="0"/>
+          </a:p>
+        </p:txBody>
+      </p:sp>
+      <p:sp>
+        <p:nvSpPr>
+          <p:cNvPr id="3" name="Content Placeholder 2"/>
+          <p:cNvSpPr>
+            <a:spLocks noGrp="1"/>
+          </p:cNvSpPr>
+          <p:nvPr>
+            <p:ph idx="1"/>
+          </p:nvPr>
+        </p:nvSpPr>
+        <p:spPr/>
+        <p:txBody>
+          <a:bodyPr/>
+          <a:lstStyle/>
+          <a:p>
+            <a:r>
+              <a:rPr lang="en-US" dirty="0">
+                <a:ea typeface="Cambria" panose="02040503050406030204" pitchFamily="18" charset="0"/>
+              </a:rPr>
+              <a:t>Backup can restore data from a complete scheduled snapshot or from a selected point between snapshots.</a:t>
+            </a:r>
+          </a:p>
+          <a:p>
+            <a:r>
+              <a:rPr lang="en-US" dirty="0"/>
+              <a:t>For </a:t>
+            </a:r>
+            <a:r>
+              <a:rPr lang="en-US" dirty="0" err="1">
+                <a:hlinkClick r:id="rId2" tooltip="(in mongodb-manual v4.2)"/>
+              </a:rPr>
+              <a:t>sharded</a:t>
+            </a:r>
+            <a:r>
+              <a:rPr lang="en-US" dirty="0">
+                <a:hlinkClick r:id="rId2" tooltip="(in mongodb-manual v4.2)"/>
+              </a:rPr>
+              <a:t> clusters</a:t>
+            </a:r>
+            <a:r>
+              <a:rPr lang="en-US" dirty="0"/>
+              <a:t> you can restore from </a:t>
+            </a:r>
+            <a:r>
+              <a:rPr lang="en-US" dirty="0">
+                <a:hlinkClick r:id="rId3"/>
+              </a:rPr>
+              <a:t>checkpoints</a:t>
+            </a:r>
+            <a:r>
+              <a:rPr lang="en-US" dirty="0"/>
+              <a:t> between snapshots.</a:t>
+            </a:r>
+          </a:p>
+          <a:p>
+            <a:r>
+              <a:rPr lang="en-US" dirty="0"/>
+              <a:t>For </a:t>
+            </a:r>
+            <a:r>
+              <a:rPr lang="en-US" dirty="0">
+                <a:hlinkClick r:id="rId4" tooltip="(in mongodb-manual v4.2)"/>
+              </a:rPr>
+              <a:t>replica sets</a:t>
+            </a:r>
+            <a:r>
+              <a:rPr lang="en-US" dirty="0"/>
+              <a:t>, you can restore from selected points in time.</a:t>
+            </a:r>
+            <a:endParaRPr lang="en-US" dirty="0"/>
+          </a:p>
+        </p:txBody>
+      </p:sp>
+      <p:sp>
+        <p:nvSpPr>
+          <p:cNvPr id="4" name="Footer Placeholder 3"/>
+          <p:cNvSpPr>
+            <a:spLocks noGrp="1"/>
+          </p:cNvSpPr>
+          <p:nvPr>
+            <p:ph type="ftr" sz="quarter" idx="11"/>
+          </p:nvPr>
+        </p:nvSpPr>
+        <p:spPr/>
+        <p:txBody>
+          <a:bodyPr/>
+          <a:lstStyle/>
+          <a:p>
+            <a:r>
+              <a:rPr lang="en-US" smtClean="0"/>
+              <a:t>Sumana</a:t>
+            </a:r>
+            <a:endParaRPr lang="en-US" dirty="0"/>
+          </a:p>
+        </p:txBody>
+      </p:sp>
+      <p:sp>
+        <p:nvSpPr>
+          <p:cNvPr id="5" name="Slide Number Placeholder 4"/>
+          <p:cNvSpPr>
+            <a:spLocks noGrp="1"/>
+          </p:cNvSpPr>
+          <p:nvPr>
+            <p:ph type="sldNum" sz="quarter" idx="12"/>
+          </p:nvPr>
+        </p:nvSpPr>
+        <p:spPr/>
+        <p:txBody>
+          <a:bodyPr/>
+          <a:lstStyle/>
+          <a:p>
+            <a:fld id="{6D22F896-40B5-4ADD-8801-0D06FADFA095}" type="slidenum">
+              <a:rPr lang="en-US" smtClean="0"/>
+              <a:t>29</a:t>
+            </a:fld>
+            <a:endParaRPr lang="en-US" dirty="0"/>
+          </a:p>
+        </p:txBody>
+      </p:sp>
+    </p:spTree>
+    <p:extLst>
+      <p:ext uri="{BB962C8B-B14F-4D97-AF65-F5344CB8AC3E}">
+        <p14:creationId xmlns:p14="http://schemas.microsoft.com/office/powerpoint/2010/main" val="2844080979"/>
       </p:ext>
     </p:extLst>
   </p:cSld>
@@ -19090,6 +20491,411 @@
       </p:par>
     </p:tnLst>
   </p:timing>
+</p:sld>
+</file>
+
+<file path=ppt/slides/slide30.xml><?xml version="1.0" encoding="utf-8"?>
+<p:sld xmlns:a="http://schemas.openxmlformats.org/drawingml/2006/main" xmlns:r="http://schemas.openxmlformats.org/officeDocument/2006/relationships" xmlns:p="http://schemas.openxmlformats.org/presentationml/2006/main">
+  <p:cSld>
+    <p:spTree>
+      <p:nvGrpSpPr>
+        <p:cNvPr id="1" name=""/>
+        <p:cNvGrpSpPr/>
+        <p:nvPr/>
+      </p:nvGrpSpPr>
+      <p:grpSpPr>
+        <a:xfrm>
+          <a:off x="0" y="0"/>
+          <a:ext cx="0" cy="0"/>
+          <a:chOff x="0" y="0"/>
+          <a:chExt cx="0" cy="0"/>
+        </a:xfrm>
+      </p:grpSpPr>
+      <p:sp>
+        <p:nvSpPr>
+          <p:cNvPr id="2" name="Title 1"/>
+          <p:cNvSpPr>
+            <a:spLocks noGrp="1"/>
+          </p:cNvSpPr>
+          <p:nvPr>
+            <p:ph type="title"/>
+          </p:nvPr>
+        </p:nvSpPr>
+        <p:spPr/>
+        <p:txBody>
+          <a:bodyPr/>
+          <a:lstStyle/>
+          <a:p>
+            <a:r>
+              <a:rPr lang="en-US" dirty="0">
+                <a:solidFill>
+                  <a:schemeClr val="bg1"/>
+                </a:solidFill>
+                <a:latin typeface="Calibri Light" panose="020F0302020204030204" pitchFamily="34" charset="0"/>
+                <a:ea typeface="Cambria" panose="02040503050406030204" pitchFamily="18" charset="0"/>
+                <a:cs typeface="Calibri Light" panose="020F0302020204030204" pitchFamily="34" charset="0"/>
+              </a:rPr>
+              <a:t>Improvements</a:t>
+            </a:r>
+            <a:endParaRPr lang="en-US" dirty="0"/>
+          </a:p>
+        </p:txBody>
+      </p:sp>
+      <p:sp>
+        <p:nvSpPr>
+          <p:cNvPr id="3" name="Content Placeholder 2"/>
+          <p:cNvSpPr>
+            <a:spLocks noGrp="1"/>
+          </p:cNvSpPr>
+          <p:nvPr>
+            <p:ph idx="1"/>
+          </p:nvPr>
+        </p:nvSpPr>
+        <p:spPr/>
+        <p:txBody>
+          <a:bodyPr/>
+          <a:lstStyle/>
+          <a:p>
+            <a:r>
+              <a:rPr lang="en-US" dirty="0"/>
+              <a:t>Add support for dumping/restoring specific database (just need to add a pair of command line arguments)</a:t>
+            </a:r>
+          </a:p>
+          <a:p>
+            <a:r>
+              <a:rPr lang="en-US" dirty="0"/>
+              <a:t>Extract connection specs from existing Mongo/</a:t>
+            </a:r>
+            <a:r>
+              <a:rPr lang="en-US" dirty="0" err="1"/>
+              <a:t>ose</a:t>
+            </a:r>
+            <a:r>
+              <a:rPr lang="en-US" dirty="0"/>
+              <a:t> connection.</a:t>
+            </a:r>
+          </a:p>
+          <a:p>
+            <a:r>
+              <a:rPr lang="en-US" dirty="0"/>
+              <a:t>Add support for non-Unix OS (aka Windows)</a:t>
+            </a:r>
+          </a:p>
+          <a:p>
+            <a:endParaRPr lang="en-US" dirty="0"/>
+          </a:p>
+        </p:txBody>
+      </p:sp>
+      <p:sp>
+        <p:nvSpPr>
+          <p:cNvPr id="4" name="Footer Placeholder 3"/>
+          <p:cNvSpPr>
+            <a:spLocks noGrp="1"/>
+          </p:cNvSpPr>
+          <p:nvPr>
+            <p:ph type="ftr" sz="quarter" idx="11"/>
+          </p:nvPr>
+        </p:nvSpPr>
+        <p:spPr/>
+        <p:txBody>
+          <a:bodyPr/>
+          <a:lstStyle/>
+          <a:p>
+            <a:r>
+              <a:rPr lang="en-US" smtClean="0"/>
+              <a:t>Sumana</a:t>
+            </a:r>
+            <a:endParaRPr lang="en-US" dirty="0"/>
+          </a:p>
+        </p:txBody>
+      </p:sp>
+      <p:sp>
+        <p:nvSpPr>
+          <p:cNvPr id="5" name="Slide Number Placeholder 4"/>
+          <p:cNvSpPr>
+            <a:spLocks noGrp="1"/>
+          </p:cNvSpPr>
+          <p:nvPr>
+            <p:ph type="sldNum" sz="quarter" idx="12"/>
+          </p:nvPr>
+        </p:nvSpPr>
+        <p:spPr/>
+        <p:txBody>
+          <a:bodyPr/>
+          <a:lstStyle/>
+          <a:p>
+            <a:fld id="{6D22F896-40B5-4ADD-8801-0D06FADFA095}" type="slidenum">
+              <a:rPr lang="en-US" smtClean="0"/>
+              <a:t>30</a:t>
+            </a:fld>
+            <a:endParaRPr lang="en-US" dirty="0"/>
+          </a:p>
+        </p:txBody>
+      </p:sp>
+    </p:spTree>
+    <p:extLst>
+      <p:ext uri="{BB962C8B-B14F-4D97-AF65-F5344CB8AC3E}">
+        <p14:creationId xmlns:p14="http://schemas.microsoft.com/office/powerpoint/2010/main" val="2057901136"/>
+      </p:ext>
+    </p:extLst>
+  </p:cSld>
+  <p:clrMapOvr>
+    <a:masterClrMapping/>
+  </p:clrMapOvr>
+</p:sld>
+</file>
+
+<file path=ppt/slides/slide31.xml><?xml version="1.0" encoding="utf-8"?>
+<p:sld xmlns:a="http://schemas.openxmlformats.org/drawingml/2006/main" xmlns:r="http://schemas.openxmlformats.org/officeDocument/2006/relationships" xmlns:p="http://schemas.openxmlformats.org/presentationml/2006/main">
+  <p:cSld>
+    <p:spTree>
+      <p:nvGrpSpPr>
+        <p:cNvPr id="1" name=""/>
+        <p:cNvGrpSpPr/>
+        <p:nvPr/>
+      </p:nvGrpSpPr>
+      <p:grpSpPr>
+        <a:xfrm>
+          <a:off x="0" y="0"/>
+          <a:ext cx="0" cy="0"/>
+          <a:chOff x="0" y="0"/>
+          <a:chExt cx="0" cy="0"/>
+        </a:xfrm>
+      </p:grpSpPr>
+      <p:sp>
+        <p:nvSpPr>
+          <p:cNvPr id="2" name="Title 1"/>
+          <p:cNvSpPr>
+            <a:spLocks noGrp="1"/>
+          </p:cNvSpPr>
+          <p:nvPr>
+            <p:ph type="title"/>
+          </p:nvPr>
+        </p:nvSpPr>
+        <p:spPr/>
+        <p:txBody>
+          <a:bodyPr/>
+          <a:lstStyle/>
+          <a:p>
+            <a:r>
+              <a:rPr lang="en-US" dirty="0"/>
+              <a:t>Conclusion</a:t>
+            </a:r>
+          </a:p>
+        </p:txBody>
+      </p:sp>
+      <p:sp>
+        <p:nvSpPr>
+          <p:cNvPr id="3" name="Content Placeholder 2"/>
+          <p:cNvSpPr>
+            <a:spLocks noGrp="1"/>
+          </p:cNvSpPr>
+          <p:nvPr>
+            <p:ph idx="1"/>
+          </p:nvPr>
+        </p:nvSpPr>
+        <p:spPr/>
+        <p:txBody>
+          <a:bodyPr/>
+          <a:lstStyle/>
+          <a:p>
+            <a:r>
+              <a:rPr lang="en-US" dirty="0"/>
+              <a:t>Infrastructure management is the key thing when going live in production. There are various factors that involves while managing the infrastructure.</a:t>
+            </a:r>
+          </a:p>
+          <a:p>
+            <a:r>
+              <a:rPr lang="en-US" dirty="0"/>
+              <a:t>MongoDB as a service will take those management pain away and let developers focus on the code.</a:t>
+            </a:r>
+            <a:endParaRPr lang="en-US" dirty="0"/>
+          </a:p>
+        </p:txBody>
+      </p:sp>
+      <p:sp>
+        <p:nvSpPr>
+          <p:cNvPr id="4" name="Footer Placeholder 3"/>
+          <p:cNvSpPr>
+            <a:spLocks noGrp="1"/>
+          </p:cNvSpPr>
+          <p:nvPr>
+            <p:ph type="ftr" sz="quarter" idx="11"/>
+          </p:nvPr>
+        </p:nvSpPr>
+        <p:spPr/>
+        <p:txBody>
+          <a:bodyPr/>
+          <a:lstStyle/>
+          <a:p>
+            <a:r>
+              <a:rPr lang="en-US" smtClean="0"/>
+              <a:t>Sumana</a:t>
+            </a:r>
+            <a:endParaRPr lang="en-US" dirty="0"/>
+          </a:p>
+        </p:txBody>
+      </p:sp>
+      <p:sp>
+        <p:nvSpPr>
+          <p:cNvPr id="5" name="Slide Number Placeholder 4"/>
+          <p:cNvSpPr>
+            <a:spLocks noGrp="1"/>
+          </p:cNvSpPr>
+          <p:nvPr>
+            <p:ph type="sldNum" sz="quarter" idx="12"/>
+          </p:nvPr>
+        </p:nvSpPr>
+        <p:spPr/>
+        <p:txBody>
+          <a:bodyPr/>
+          <a:lstStyle/>
+          <a:p>
+            <a:fld id="{6D22F896-40B5-4ADD-8801-0D06FADFA095}" type="slidenum">
+              <a:rPr lang="en-US" smtClean="0"/>
+              <a:t>31</a:t>
+            </a:fld>
+            <a:endParaRPr lang="en-US" dirty="0"/>
+          </a:p>
+        </p:txBody>
+      </p:sp>
+    </p:spTree>
+    <p:extLst>
+      <p:ext uri="{BB962C8B-B14F-4D97-AF65-F5344CB8AC3E}">
+        <p14:creationId xmlns:p14="http://schemas.microsoft.com/office/powerpoint/2010/main" val="156311234"/>
+      </p:ext>
+    </p:extLst>
+  </p:cSld>
+  <p:clrMapOvr>
+    <a:masterClrMapping/>
+  </p:clrMapOvr>
+</p:sld>
+</file>
+
+<file path=ppt/slides/slide32.xml><?xml version="1.0" encoding="utf-8"?>
+<p:sld xmlns:a="http://schemas.openxmlformats.org/drawingml/2006/main" xmlns:r="http://schemas.openxmlformats.org/officeDocument/2006/relationships" xmlns:p="http://schemas.openxmlformats.org/presentationml/2006/main">
+  <p:cSld>
+    <p:spTree>
+      <p:nvGrpSpPr>
+        <p:cNvPr id="1" name=""/>
+        <p:cNvGrpSpPr/>
+        <p:nvPr/>
+      </p:nvGrpSpPr>
+      <p:grpSpPr>
+        <a:xfrm>
+          <a:off x="0" y="0"/>
+          <a:ext cx="0" cy="0"/>
+          <a:chOff x="0" y="0"/>
+          <a:chExt cx="0" cy="0"/>
+        </a:xfrm>
+      </p:grpSpPr>
+      <p:sp>
+        <p:nvSpPr>
+          <p:cNvPr id="2" name="Title 1"/>
+          <p:cNvSpPr>
+            <a:spLocks noGrp="1"/>
+          </p:cNvSpPr>
+          <p:nvPr>
+            <p:ph type="title"/>
+          </p:nvPr>
+        </p:nvSpPr>
+        <p:spPr/>
+        <p:txBody>
+          <a:bodyPr/>
+          <a:lstStyle/>
+          <a:p>
+            <a:endParaRPr lang="en-US"/>
+          </a:p>
+        </p:txBody>
+      </p:sp>
+      <p:sp>
+        <p:nvSpPr>
+          <p:cNvPr id="4" name="Footer Placeholder 3"/>
+          <p:cNvSpPr>
+            <a:spLocks noGrp="1"/>
+          </p:cNvSpPr>
+          <p:nvPr>
+            <p:ph type="ftr" sz="quarter" idx="11"/>
+          </p:nvPr>
+        </p:nvSpPr>
+        <p:spPr/>
+        <p:txBody>
+          <a:bodyPr/>
+          <a:lstStyle/>
+          <a:p>
+            <a:r>
+              <a:rPr lang="en-US" smtClean="0"/>
+              <a:t>Sumana</a:t>
+            </a:r>
+            <a:endParaRPr lang="en-US" dirty="0"/>
+          </a:p>
+        </p:txBody>
+      </p:sp>
+      <p:sp>
+        <p:nvSpPr>
+          <p:cNvPr id="5" name="Slide Number Placeholder 4"/>
+          <p:cNvSpPr>
+            <a:spLocks noGrp="1"/>
+          </p:cNvSpPr>
+          <p:nvPr>
+            <p:ph type="sldNum" sz="quarter" idx="12"/>
+          </p:nvPr>
+        </p:nvSpPr>
+        <p:spPr/>
+        <p:txBody>
+          <a:bodyPr/>
+          <a:lstStyle/>
+          <a:p>
+            <a:fld id="{6D22F896-40B5-4ADD-8801-0D06FADFA095}" type="slidenum">
+              <a:rPr lang="en-US" smtClean="0"/>
+              <a:t>32</a:t>
+            </a:fld>
+            <a:endParaRPr lang="en-US" dirty="0"/>
+          </a:p>
+        </p:txBody>
+      </p:sp>
+      <p:pic>
+        <p:nvPicPr>
+          <p:cNvPr id="8" name="Content Placeholder 5"/>
+          <p:cNvPicPr>
+            <a:picLocks noGrp="1" noChangeAspect="1"/>
+          </p:cNvPicPr>
+          <p:nvPr>
+            <p:ph idx="1"/>
+          </p:nvPr>
+        </p:nvPicPr>
+        <p:blipFill>
+          <a:blip r:embed="rId2">
+            <a:extLst>
+              <a:ext uri="{28A0092B-C50C-407E-A947-70E740481C1C}">
+                <a14:useLocalDpi xmlns:a14="http://schemas.microsoft.com/office/drawing/2010/main" val="0"/>
+              </a:ext>
+            </a:extLst>
+          </a:blip>
+          <a:stretch>
+            <a:fillRect/>
+          </a:stretch>
+        </p:blipFill>
+        <p:spPr>
+          <a:xfrm rot="587177">
+            <a:off x="6830219" y="1998662"/>
+            <a:ext cx="2857500" cy="2857500"/>
+          </a:xfrm>
+          <a:prstGeom prst="rect">
+            <a:avLst/>
+          </a:prstGeom>
+        </p:spPr>
+      </p:pic>
+    </p:spTree>
+    <p:extLst>
+      <p:ext uri="{BB962C8B-B14F-4D97-AF65-F5344CB8AC3E}">
+        <p14:creationId xmlns:p14="http://schemas.microsoft.com/office/powerpoint/2010/main" val="2964546781"/>
+      </p:ext>
+    </p:extLst>
+  </p:cSld>
+  <p:clrMapOvr>
+    <a:masterClrMapping/>
+  </p:clrMapOvr>
 </p:sld>
 </file>
 
@@ -19742,7 +21548,6 @@
               <a:rPr lang="en-US" dirty="0"/>
               <a:t>Select any region marked “FREE TIER AVAILABLE”. Then click on Create Cluster button, this will take few minutes.</a:t>
             </a:r>
-            <a:endParaRPr lang="en-US" dirty="0"/>
           </a:p>
         </p:txBody>
       </p:sp>
@@ -19873,7 +21678,6 @@
               <a:rPr lang="en-US" dirty="0"/>
               <a:t>Enter the name for database and collection and click the Create button to create the database.</a:t>
             </a:r>
-            <a:endParaRPr lang="en-US" dirty="0"/>
           </a:p>
         </p:txBody>
       </p:sp>

--- a/MongoDB_with_Atlas.pptx
+++ b/MongoDB_with_Atlas.pptx
@@ -18986,9 +18986,6 @@
               </a:rPr>
               <a:t>Cloud Provider Snapshots : Using the native snapshot functionality, it provides localized backup storage.</a:t>
             </a:r>
-            <a:endParaRPr lang="en-US" dirty="0">
-              <a:ea typeface="Cambria" panose="02040503050406030204" pitchFamily="18" charset="0"/>
-            </a:endParaRPr>
           </a:p>
         </p:txBody>
       </p:sp>
@@ -19272,9 +19269,6 @@
               </a:rPr>
               <a:t>MongoDB subscribers can install and run the same core software that powers MongoDB Cloud Manager on their own infrastructure.</a:t>
             </a:r>
-            <a:endParaRPr lang="en-US" dirty="0">
-              <a:ea typeface="Cambria" panose="02040503050406030204" pitchFamily="18" charset="0"/>
-            </a:endParaRPr>
           </a:p>
         </p:txBody>
       </p:sp>
@@ -19743,9 +19737,6 @@
               </a:rPr>
               <a:t>})</a:t>
             </a:r>
-            <a:endParaRPr lang="en-US" dirty="0">
-              <a:ea typeface="Cambria" panose="02040503050406030204" pitchFamily="18" charset="0"/>
-            </a:endParaRPr>
           </a:p>
         </p:txBody>
       </p:sp>
@@ -19914,7 +19905,6 @@
               <a:rPr lang="en-US" dirty="0"/>
               <a:t>()</a:t>
             </a:r>
-            <a:endParaRPr lang="en-US" dirty="0"/>
           </a:p>
         </p:txBody>
       </p:sp>
@@ -20051,9 +20041,6 @@
               </a:rPr>
               <a:t>When you activate Backup for a MongoDB deployment, Backup takes snapshots of data from the MongoDB processes you have specified.</a:t>
             </a:r>
-            <a:endParaRPr lang="en-US" dirty="0">
-              <a:ea typeface="Cambria" panose="02040503050406030204" pitchFamily="18" charset="0"/>
-            </a:endParaRPr>
           </a:p>
         </p:txBody>
       </p:sp>
@@ -20073,9 +20060,20 @@
           <a:lstStyle/>
           <a:p>
             <a:r>
-              <a:rPr lang="en-US" smtClean="0"/>
-              <a:t>Sumana</a:t>
-            </a:r>
+              <a:rPr lang="en-US" dirty="0" err="1"/>
+              <a:t>Navya</a:t>
+            </a:r>
+            <a:r>
+              <a:rPr lang="en-US" dirty="0"/>
+              <a:t> </a:t>
+            </a:r>
+            <a:r>
+              <a:rPr lang="en-US" dirty="0" err="1"/>
+              <a:t>Devineni</a:t>
+            </a:r>
+            <a:endParaRPr lang="en-US" dirty="0"/>
+          </a:p>
+          <a:p>
             <a:endParaRPr lang="en-US" dirty="0"/>
           </a:p>
         </p:txBody>
@@ -20232,7 +20230,6 @@
               <a:rPr lang="en-US" dirty="0"/>
               <a:t>, you can restore from selected points in time.</a:t>
             </a:r>
-            <a:endParaRPr lang="en-US" dirty="0"/>
           </a:p>
         </p:txBody>
       </p:sp>
@@ -20252,8 +20249,16 @@
           <a:lstStyle/>
           <a:p>
             <a:r>
-              <a:rPr lang="en-US" smtClean="0"/>
-              <a:t>Sumana</a:t>
+              <a:rPr lang="en-US" dirty="0" err="1"/>
+              <a:t>Navya</a:t>
+            </a:r>
+            <a:r>
+              <a:rPr lang="en-US" dirty="0"/>
+              <a:t> </a:t>
+            </a:r>
+            <a:r>
+              <a:rPr lang="en-US" dirty="0" err="1"/>
+              <a:t>Devineni</a:t>
             </a:r>
             <a:endParaRPr lang="en-US" dirty="0"/>
           </a:p>
@@ -20602,8 +20607,16 @@
           <a:lstStyle/>
           <a:p>
             <a:r>
-              <a:rPr lang="en-US" smtClean="0"/>
-              <a:t>Sumana</a:t>
+              <a:rPr lang="en-US" dirty="0" err="1"/>
+              <a:t>Navya</a:t>
+            </a:r>
+            <a:r>
+              <a:rPr lang="en-US" dirty="0"/>
+              <a:t> </a:t>
+            </a:r>
+            <a:r>
+              <a:rPr lang="en-US" dirty="0" err="1"/>
+              <a:t>Devineni</a:t>
             </a:r>
             <a:endParaRPr lang="en-US" dirty="0"/>
           </a:p>
@@ -20709,7 +20722,6 @@
               <a:rPr lang="en-US" dirty="0"/>
               <a:t>MongoDB as a service will take those management pain away and let developers focus on the code.</a:t>
             </a:r>
-            <a:endParaRPr lang="en-US" dirty="0"/>
           </a:p>
         </p:txBody>
       </p:sp>
@@ -20729,8 +20741,16 @@
           <a:lstStyle/>
           <a:p>
             <a:r>
-              <a:rPr lang="en-US" smtClean="0"/>
-              <a:t>Sumana</a:t>
+              <a:rPr lang="en-US" dirty="0" err="1"/>
+              <a:t>Navya</a:t>
+            </a:r>
+            <a:r>
+              <a:rPr lang="en-US" dirty="0"/>
+              <a:t> </a:t>
+            </a:r>
+            <a:r>
+              <a:rPr lang="en-US" dirty="0" err="1"/>
+              <a:t>Devineni</a:t>
             </a:r>
             <a:endParaRPr lang="en-US" dirty="0"/>
           </a:p>
@@ -20824,8 +20844,16 @@
           <a:lstStyle/>
           <a:p>
             <a:r>
-              <a:rPr lang="en-US" smtClean="0"/>
-              <a:t>Sumana</a:t>
+              <a:rPr lang="en-US" dirty="0" err="1"/>
+              <a:t>Navya</a:t>
+            </a:r>
+            <a:r>
+              <a:rPr lang="en-US" dirty="0"/>
+              <a:t> </a:t>
+            </a:r>
+            <a:r>
+              <a:rPr lang="en-US"/>
+              <a:t>Devineni</a:t>
             </a:r>
             <a:endParaRPr lang="en-US" dirty="0"/>
           </a:p>
